--- a/game16.pptx
+++ b/game16.pptx
@@ -1,6 +1,6 @@
 
 <file path=ppt/presentation.xml><?xml version="1.0" encoding="utf-8"?>
-<p:presentation xmlns:a="http://schemas.openxmlformats.org/drawingml/2006/main" xmlns:r="http://schemas.openxmlformats.org/officeDocument/2006/relationships" xmlns:p="http://schemas.openxmlformats.org/presentationml/2006/main" saveSubsetFonts="1">
+<p:presentation xmlns:a="http://schemas.openxmlformats.org/drawingml/2006/main" xmlns:r="http://schemas.openxmlformats.org/officeDocument/2006/relationships" xmlns:p="http://schemas.openxmlformats.org/presentationml/2006/main" embedTrueTypeFonts="1" saveSubsetFonts="1">
   <p:sldMasterIdLst>
     <p:sldMasterId id="2147483648" r:id="rId1"/>
   </p:sldMasterIdLst>
@@ -14,6 +14,52 @@
   </p:sldIdLst>
   <p:sldSz cx="12192000" cy="6858000"/>
   <p:notesSz cx="6858000" cy="9144000"/>
+  <p:embeddedFontLst>
+    <p:embeddedFont>
+      <p:font typeface="LilyUPC" panose="020B0604020202020204" pitchFamily="34" charset="-34"/>
+      <p:regular r:id="rId8"/>
+      <p:bold r:id="rId9"/>
+      <p:italic r:id="rId10"/>
+      <p:boldItalic r:id="rId11"/>
+    </p:embeddedFont>
+    <p:embeddedFont>
+      <p:font typeface="Calibri" panose="020F0502020204030204" pitchFamily="34" charset="0"/>
+      <p:regular r:id="rId12"/>
+      <p:bold r:id="rId13"/>
+      <p:italic r:id="rId14"/>
+      <p:boldItalic r:id="rId15"/>
+    </p:embeddedFont>
+    <p:embeddedFont>
+      <p:font typeface="Angsana New" panose="02020603050405020304" pitchFamily="18" charset="-34"/>
+      <p:regular r:id="rId16"/>
+      <p:bold r:id="rId17"/>
+      <p:italic r:id="rId18"/>
+      <p:boldItalic r:id="rId19"/>
+    </p:embeddedFont>
+    <p:embeddedFont>
+      <p:font typeface="Algerian" panose="04020705040A02060702" pitchFamily="82" charset="0"/>
+      <p:regular r:id="rId20"/>
+    </p:embeddedFont>
+    <p:embeddedFont>
+      <p:font typeface="Calibri Light" panose="020F0302020204030204" pitchFamily="34" charset="0"/>
+      <p:regular r:id="rId21"/>
+      <p:italic r:id="rId22"/>
+    </p:embeddedFont>
+    <p:embeddedFont>
+      <p:font typeface="TH Sarabun New" panose="020B0500040200020003" pitchFamily="34" charset="-34"/>
+      <p:regular r:id="rId23"/>
+      <p:bold r:id="rId24"/>
+      <p:italic r:id="rId25"/>
+      <p:boldItalic r:id="rId26"/>
+    </p:embeddedFont>
+    <p:embeddedFont>
+      <p:font typeface="Cordia New" panose="020B0304020202020204" pitchFamily="34" charset="-34"/>
+      <p:regular r:id="rId27"/>
+      <p:bold r:id="rId28"/>
+      <p:italic r:id="rId29"/>
+      <p:boldItalic r:id="rId30"/>
+    </p:embeddedFont>
+  </p:embeddedFontLst>
   <p:defaultTextStyle>
     <a:defPPr>
       <a:defRPr lang="en-US"/>
@@ -12312,8 +12358,8 @@
         </p:nvSpPr>
         <p:spPr>
           <a:xfrm>
-            <a:off x="6731106" y="1203028"/>
-            <a:ext cx="3554460" cy="4945904"/>
+            <a:off x="6326223" y="1203028"/>
+            <a:ext cx="3959343" cy="4955794"/>
           </a:xfrm>
           <a:prstGeom prst="roundRect">
             <a:avLst/>
@@ -12447,7 +12493,7 @@
         </p:nvSpPr>
         <p:spPr>
           <a:xfrm>
-            <a:off x="6957254" y="2076928"/>
+            <a:off x="6969550" y="1939169"/>
             <a:ext cx="1250713" cy="693970"/>
           </a:xfrm>
           <a:prstGeom prst="roundRect">
@@ -12548,7 +12594,7 @@
         </p:nvSpPr>
         <p:spPr>
           <a:xfrm>
-            <a:off x="7056074" y="3744650"/>
+            <a:off x="7085669" y="4099740"/>
             <a:ext cx="1259307" cy="883830"/>
           </a:xfrm>
           <a:prstGeom prst="roundRect">
@@ -12925,7 +12971,7 @@
         </p:nvSpPr>
         <p:spPr>
           <a:xfrm>
-            <a:off x="8526721" y="4883326"/>
+            <a:off x="8554966" y="5054928"/>
             <a:ext cx="1259307" cy="883830"/>
           </a:xfrm>
           <a:prstGeom prst="roundRect">
@@ -13026,7 +13072,7 @@
         </p:nvSpPr>
         <p:spPr>
           <a:xfrm>
-            <a:off x="7065599" y="4887650"/>
+            <a:off x="6933239" y="5171257"/>
             <a:ext cx="1259307" cy="883830"/>
           </a:xfrm>
           <a:prstGeom prst="roundRect">
@@ -13178,8 +13224,8 @@
         </p:nvCxnSpPr>
         <p:spPr>
           <a:xfrm flipV="1">
-            <a:off x="4998442" y="2874256"/>
-            <a:ext cx="1920077" cy="1460964"/>
+            <a:off x="4998442" y="2401779"/>
+            <a:ext cx="1942988" cy="1933441"/>
           </a:xfrm>
           <a:prstGeom prst="straightConnector1">
             <a:avLst/>
@@ -13220,8 +13266,8 @@
         </p:nvCxnSpPr>
         <p:spPr>
           <a:xfrm flipV="1">
-            <a:off x="5253867" y="5329565"/>
-            <a:ext cx="1811732" cy="389779"/>
+            <a:off x="5253867" y="5613172"/>
+            <a:ext cx="1679372" cy="106172"/>
           </a:xfrm>
           <a:prstGeom prst="straightConnector1">
             <a:avLst/>
@@ -13264,9 +13310,9 @@
           <p:nvPr/>
         </p:nvCxnSpPr>
         <p:spPr>
-          <a:xfrm flipH="1" flipV="1">
-            <a:off x="7685728" y="4628480"/>
-            <a:ext cx="9525" cy="259170"/>
+          <a:xfrm flipV="1">
+            <a:off x="7562893" y="4983570"/>
+            <a:ext cx="152430" cy="187687"/>
           </a:xfrm>
           <a:prstGeom prst="straightConnector1">
             <a:avLst/>
@@ -13310,7 +13356,7 @@
         </p:nvCxnSpPr>
         <p:spPr>
           <a:xfrm flipV="1">
-            <a:off x="8324906" y="5269374"/>
+            <a:off x="8192546" y="5552981"/>
             <a:ext cx="225744" cy="60191"/>
           </a:xfrm>
           <a:prstGeom prst="straightConnector1">
@@ -13356,7 +13402,7 @@
         <p:spPr>
           <a:xfrm flipH="1" flipV="1">
             <a:off x="9124314" y="4570695"/>
-            <a:ext cx="32061" cy="312631"/>
+            <a:ext cx="60306" cy="484233"/>
           </a:xfrm>
           <a:prstGeom prst="straightConnector1">
             <a:avLst/>
@@ -13488,8 +13534,8 @@
         </p:nvCxnSpPr>
         <p:spPr>
           <a:xfrm flipV="1">
-            <a:off x="8236641" y="2005840"/>
-            <a:ext cx="947979" cy="1852555"/>
+            <a:off x="8271294" y="2005841"/>
+            <a:ext cx="913326" cy="2092635"/>
           </a:xfrm>
           <a:prstGeom prst="straightConnector1">
             <a:avLst/>
@@ -13534,8 +13580,8 @@
         </p:nvCxnSpPr>
         <p:spPr>
           <a:xfrm flipV="1">
-            <a:off x="8207967" y="1898749"/>
-            <a:ext cx="765313" cy="525164"/>
+            <a:off x="8220263" y="1898749"/>
+            <a:ext cx="753017" cy="387405"/>
           </a:xfrm>
           <a:prstGeom prst="straightConnector1">
             <a:avLst/>
@@ -13576,7 +13622,7 @@
         </p:nvSpPr>
         <p:spPr>
           <a:xfrm>
-            <a:off x="6969550" y="2919312"/>
+            <a:off x="6904028" y="2931741"/>
             <a:ext cx="1250713" cy="693970"/>
           </a:xfrm>
           <a:prstGeom prst="roundRect">
@@ -13651,6 +13697,7 @@
             </a:extLst>
           </p:cNvPr>
           <p:cNvCxnSpPr>
+            <a:cxnSpLocks/>
             <a:stCxn id="23" idx="3"/>
           </p:cNvCxnSpPr>
           <p:nvPr/>
